--- a/Traveler-SCD Midterm Presentation.pptx
+++ b/Traveler-SCD Midterm Presentation.pptx
@@ -3873,39 +3873,41 @@
         </p:nvSpPr>
         <p:spPr/>
         <p:txBody>
-          <a:bodyPr/>
+          <a:bodyPr>
+            <a:noAutofit/>
+          </a:bodyPr>
           <a:lstStyle/>
           <a:p>
             <a:r>
-              <a:rPr lang="en-US" dirty="0" smtClean="0">
+              <a:rPr lang="en-US" sz="3200" dirty="0" smtClean="0">
                 <a:latin typeface="BreakersSlab-Bold" pitchFamily="50" charset="0"/>
                 <a:cs typeface="BreakersSlab-Bold" pitchFamily="50" charset="0"/>
               </a:rPr>
               <a:t>Nikola </a:t>
             </a:r>
             <a:r>
-              <a:rPr lang="en-US" dirty="0" err="1" smtClean="0">
+              <a:rPr lang="en-US" sz="3200" dirty="0" err="1" smtClean="0">
                 <a:latin typeface="BreakersSlab-Bold" pitchFamily="50" charset="0"/>
                 <a:cs typeface="BreakersSlab-Bold" pitchFamily="50" charset="0"/>
               </a:rPr>
               <a:t>Janjusevic</a:t>
             </a:r>
             <a:r>
-              <a:rPr lang="en-US" dirty="0" smtClean="0">
+              <a:rPr lang="en-US" sz="3200" dirty="0" smtClean="0">
                 <a:latin typeface="BreakersSlab-Bold" pitchFamily="50" charset="0"/>
                 <a:cs typeface="BreakersSlab-Bold" pitchFamily="50" charset="0"/>
               </a:rPr>
               <a:t>, </a:t>
             </a:r>
             <a:r>
-              <a:rPr lang="en-US" dirty="0" err="1" smtClean="0">
+              <a:rPr lang="en-US" sz="3200" dirty="0" err="1" smtClean="0">
                 <a:latin typeface="BreakersSlab-Bold" pitchFamily="50" charset="0"/>
                 <a:cs typeface="BreakersSlab-Bold" pitchFamily="50" charset="0"/>
               </a:rPr>
               <a:t>DongKyu</a:t>
             </a:r>
             <a:r>
-              <a:rPr lang="en-US" dirty="0" smtClean="0">
+              <a:rPr lang="en-US" sz="3200" dirty="0" smtClean="0">
                 <a:latin typeface="BreakersSlab-Bold" pitchFamily="50" charset="0"/>
                 <a:cs typeface="BreakersSlab-Bold" pitchFamily="50" charset="0"/>
               </a:rPr>
@@ -3914,34 +3916,34 @@
           </a:p>
           <a:p>
             <a:r>
-              <a:rPr lang="en-US" dirty="0" err="1" smtClean="0">
+              <a:rPr lang="en-US" sz="3200" dirty="0" err="1" smtClean="0">
                 <a:latin typeface="BreakersSlab-Bold" pitchFamily="50" charset="0"/>
                 <a:cs typeface="BreakersSlab-Bold" pitchFamily="50" charset="0"/>
               </a:rPr>
               <a:t>Varouzan</a:t>
             </a:r>
             <a:r>
-              <a:rPr lang="en-US" dirty="0" smtClean="0">
+              <a:rPr lang="en-US" sz="3200" dirty="0" smtClean="0">
                 <a:latin typeface="BreakersSlab-Bold" pitchFamily="50" charset="0"/>
                 <a:cs typeface="BreakersSlab-Bold" pitchFamily="50" charset="0"/>
               </a:rPr>
               <a:t> </a:t>
             </a:r>
             <a:r>
-              <a:rPr lang="en-US" dirty="0" err="1" smtClean="0">
+              <a:rPr lang="en-US" sz="3200" dirty="0" err="1" smtClean="0">
                 <a:latin typeface="BreakersSlab-Bold" pitchFamily="50" charset="0"/>
                 <a:cs typeface="BreakersSlab-Bold" pitchFamily="50" charset="0"/>
               </a:rPr>
               <a:t>Knouni</a:t>
             </a:r>
             <a:r>
-              <a:rPr lang="en-US" dirty="0" smtClean="0">
+              <a:rPr lang="en-US" sz="3200" dirty="0" smtClean="0">
                 <a:latin typeface="BreakersSlab-Bold" pitchFamily="50" charset="0"/>
                 <a:cs typeface="BreakersSlab-Bold" pitchFamily="50" charset="0"/>
               </a:rPr>
               <a:t>, Justin Jose</a:t>
             </a:r>
-            <a:endParaRPr lang="en-US" dirty="0">
+            <a:endParaRPr lang="en-US" sz="3200" dirty="0">
               <a:latin typeface="BreakersSlab-Bold" pitchFamily="50" charset="0"/>
               <a:cs typeface="BreakersSlab-Bold" pitchFamily="50" charset="0"/>
             </a:endParaRPr>

--- a/Traveler-SCD Midterm Presentation.pptx
+++ b/Traveler-SCD Midterm Presentation.pptx
@@ -17,7 +17,7 @@
     <p:sldId id="265" r:id="rId11"/>
     <p:sldId id="267" r:id="rId12"/>
     <p:sldId id="268" r:id="rId13"/>
-    <p:sldId id="266" r:id="rId14"/>
+    <p:sldId id="269" r:id="rId14"/>
   </p:sldIdLst>
   <p:sldSz cx="9144000" cy="6858000" type="screen4x3"/>
   <p:notesSz cx="6858000" cy="9144000"/>
@@ -116,6 +116,22 @@
       </a:defRPr>
     </a:lvl9pPr>
   </p:defaultTextStyle>
+  <p:extLst>
+    <p:ext uri="{EFAFB233-063F-42B5-8137-9DF3F51BA10A}">
+      <p15:sldGuideLst xmlns:p15="http://schemas.microsoft.com/office/powerpoint/2012/main">
+        <p15:guide id="1" orient="horz" pos="2160">
+          <p15:clr>
+            <a:srgbClr val="A4A3A4"/>
+          </p15:clr>
+        </p15:guide>
+        <p15:guide id="2" pos="2880">
+          <p15:clr>
+            <a:srgbClr val="A4A3A4"/>
+          </p15:clr>
+        </p15:guide>
+      </p15:sldGuideLst>
+    </p:ext>
+  </p:extLst>
 </p:presentation>
 </file>
 
@@ -308,41 +324,6 @@
           </c:dPt>
           <c:dLbls>
             <c:dLbl>
-              <c:idx val="0"/>
-              <c:spPr>
-                <a:noFill/>
-                <a:ln>
-                  <a:noFill/>
-                </a:ln>
-                <a:effectLst/>
-              </c:spPr>
-              <c:txPr>
-                <a:bodyPr rot="0" spcFirstLastPara="1" vertOverflow="ellipsis" vert="horz" wrap="square" lIns="38100" tIns="19050" rIns="38100" bIns="19050" anchor="ctr" anchorCtr="1">
-                  <a:spAutoFit/>
-                </a:bodyPr>
-                <a:lstStyle/>
-                <a:p>
-                  <a:pPr>
-                    <a:defRPr sz="2800" b="0" i="0" u="none" strike="noStrike" kern="1200" baseline="0">
-                      <a:solidFill>
-                        <a:schemeClr val="tx1"/>
-                      </a:solidFill>
-                      <a:latin typeface="BreakersSlab-Bold" pitchFamily="50" charset="0"/>
-                      <a:ea typeface="+mn-ea"/>
-                      <a:cs typeface="BreakersSlab-Bold" pitchFamily="50" charset="0"/>
-                    </a:defRPr>
-                  </a:pPr>
-                  <a:endParaRPr lang="en-US"/>
-                </a:p>
-              </c:txPr>
-              <c:showLegendKey val="0"/>
-              <c:showVal val="0"/>
-              <c:showCatName val="1"/>
-              <c:showSerName val="0"/>
-              <c:showPercent val="0"/>
-              <c:showBubbleSize val="0"/>
-            </c:dLbl>
-            <c:dLbl>
               <c:idx val="3"/>
               <c:layout>
                 <c:manualLayout>
@@ -356,6 +337,11 @@
               <c:showSerName val="0"/>
               <c:showPercent val="0"/>
               <c:showBubbleSize val="0"/>
+              <c:extLst>
+                <c:ext xmlns:c15="http://schemas.microsoft.com/office/drawing/2012/chart" uri="{CE6537A1-D6FC-4f65-9D91-7224C49458BB}">
+                  <c15:layout/>
+                </c:ext>
+              </c:extLst>
             </c:dLbl>
             <c:spPr>
               <a:noFill/>
@@ -380,7 +366,7 @@
                     <a:cs typeface="BreakersSlab-Bold" pitchFamily="50" charset="0"/>
                   </a:defRPr>
                 </a:pPr>
-                <a:endParaRPr lang="en-US"/>
+                <a:endParaRPr lang="ko-KR"/>
               </a:p>
             </c:txPr>
             <c:showLegendKey val="0"/>
@@ -508,7 +494,7 @@
       <a:pPr>
         <a:defRPr/>
       </a:pPr>
-      <a:endParaRPr lang="en-US"/>
+      <a:endParaRPr lang="ko-KR"/>
     </a:p>
   </c:txPr>
   <c:externalData r:id="rId1">
@@ -706,7 +692,7 @@
           <a:p>
             <a:fld id="{6131EA16-AA8C-41C0-89F3-552A9956A2AB}" type="datetimeFigureOut">
               <a:rPr lang="en-US" smtClean="0"/>
-              <a:t>10/11/2015</a:t>
+              <a:t>10/12/2015</a:t>
             </a:fld>
             <a:endParaRPr lang="en-US"/>
           </a:p>
@@ -883,7 +869,7 @@
           <a:p>
             <a:fld id="{6131EA16-AA8C-41C0-89F3-552A9956A2AB}" type="datetimeFigureOut">
               <a:rPr lang="en-US" smtClean="0"/>
-              <a:t>10/11/2015</a:t>
+              <a:t>10/12/2015</a:t>
             </a:fld>
             <a:endParaRPr lang="en-US"/>
           </a:p>
@@ -1081,7 +1067,7 @@
           <a:p>
             <a:fld id="{6131EA16-AA8C-41C0-89F3-552A9956A2AB}" type="datetimeFigureOut">
               <a:rPr lang="en-US" smtClean="0"/>
-              <a:t>10/11/2015</a:t>
+              <a:t>10/12/2015</a:t>
             </a:fld>
             <a:endParaRPr lang="en-US"/>
           </a:p>
@@ -1235,7 +1221,7 @@
           <a:p>
             <a:fld id="{6131EA16-AA8C-41C0-89F3-552A9956A2AB}" type="datetimeFigureOut">
               <a:rPr lang="en-US" smtClean="0"/>
-              <a:t>10/11/2015</a:t>
+              <a:t>10/12/2015</a:t>
             </a:fld>
             <a:endParaRPr lang="en-US"/>
           </a:p>
@@ -1510,7 +1496,7 @@
           <a:p>
             <a:fld id="{6131EA16-AA8C-41C0-89F3-552A9956A2AB}" type="datetimeFigureOut">
               <a:rPr lang="en-US" smtClean="0"/>
-              <a:t>10/11/2015</a:t>
+              <a:t>10/12/2015</a:t>
             </a:fld>
             <a:endParaRPr lang="en-US"/>
           </a:p>
@@ -1809,7 +1795,7 @@
           <a:p>
             <a:fld id="{6131EA16-AA8C-41C0-89F3-552A9956A2AB}" type="datetimeFigureOut">
               <a:rPr lang="en-US" smtClean="0"/>
-              <a:t>10/11/2015</a:t>
+              <a:t>10/12/2015</a:t>
             </a:fld>
             <a:endParaRPr lang="en-US"/>
           </a:p>
@@ -2251,7 +2237,7 @@
           <a:p>
             <a:fld id="{6131EA16-AA8C-41C0-89F3-552A9956A2AB}" type="datetimeFigureOut">
               <a:rPr lang="en-US" smtClean="0"/>
-              <a:t>10/11/2015</a:t>
+              <a:t>10/12/2015</a:t>
             </a:fld>
             <a:endParaRPr lang="en-US"/>
           </a:p>
@@ -2358,7 +2344,7 @@
           <a:p>
             <a:fld id="{6131EA16-AA8C-41C0-89F3-552A9956A2AB}" type="datetimeFigureOut">
               <a:rPr lang="en-US" smtClean="0"/>
-              <a:t>10/11/2015</a:t>
+              <a:t>10/12/2015</a:t>
             </a:fld>
             <a:endParaRPr lang="en-US"/>
           </a:p>
@@ -2478,7 +2464,7 @@
           <a:p>
             <a:fld id="{6131EA16-AA8C-41C0-89F3-552A9956A2AB}" type="datetimeFigureOut">
               <a:rPr lang="en-US" smtClean="0"/>
-              <a:t>10/11/2015</a:t>
+              <a:t>10/12/2015</a:t>
             </a:fld>
             <a:endParaRPr lang="en-US"/>
           </a:p>
@@ -2763,7 +2749,7 @@
           <a:p>
             <a:fld id="{6131EA16-AA8C-41C0-89F3-552A9956A2AB}" type="datetimeFigureOut">
               <a:rPr lang="en-US" smtClean="0"/>
-              <a:t>10/11/2015</a:t>
+              <a:t>10/12/2015</a:t>
             </a:fld>
             <a:endParaRPr lang="en-US"/>
           </a:p>
@@ -3034,7 +3020,7 @@
           <a:p>
             <a:fld id="{6131EA16-AA8C-41C0-89F3-552A9956A2AB}" type="datetimeFigureOut">
               <a:rPr lang="en-US" smtClean="0"/>
-              <a:t>10/11/2015</a:t>
+              <a:t>10/12/2015</a:t>
             </a:fld>
             <a:endParaRPr lang="en-US"/>
           </a:p>
@@ -3254,7 +3240,7 @@
           <a:p>
             <a:fld id="{6131EA16-AA8C-41C0-89F3-552A9956A2AB}" type="datetimeFigureOut">
               <a:rPr lang="en-US" smtClean="0"/>
-              <a:t>10/11/2015</a:t>
+              <a:t>10/12/2015</a:t>
             </a:fld>
             <a:endParaRPr lang="en-US"/>
           </a:p>
@@ -3843,18 +3829,63 @@
         <p:spPr/>
         <p:txBody>
           <a:bodyPr>
-            <a:normAutofit fontScale="90000"/>
+            <a:normAutofit/>
           </a:bodyPr>
           <a:lstStyle/>
           <a:p>
             <a:r>
               <a:rPr lang="en-US" sz="8800" dirty="0" smtClean="0">
+                <a:solidFill>
+                  <a:srgbClr val="FFFF00"/>
+                </a:solidFill>
                 <a:latin typeface="BreakersSlab-Bold" pitchFamily="50" charset="0"/>
                 <a:cs typeface="BreakersSlab-Bold" pitchFamily="50" charset="0"/>
               </a:rPr>
-              <a:t>Traveler-SCD</a:t>
-            </a:r>
-            <a:endParaRPr lang="en-US" sz="8800" dirty="0">
+              <a:t>Traveler</a:t>
+            </a:r>
+            <a:br>
+              <a:rPr lang="en-US" sz="8800" dirty="0" smtClean="0">
+                <a:solidFill>
+                  <a:srgbClr val="FFFF00"/>
+                </a:solidFill>
+                <a:latin typeface="BreakersSlab-Bold" pitchFamily="50" charset="0"/>
+                <a:cs typeface="BreakersSlab-Bold" pitchFamily="50" charset="0"/>
+              </a:rPr>
+            </a:br>
+            <a:r>
+              <a:rPr lang="en-US" sz="3300" dirty="0" smtClean="0">
+                <a:solidFill>
+                  <a:srgbClr val="FFFF00"/>
+                </a:solidFill>
+                <a:latin typeface="BreakersSlab-Bold" pitchFamily="50" charset="0"/>
+                <a:cs typeface="BreakersSlab-Bold" pitchFamily="50" charset="0"/>
+              </a:rPr>
+              <a:t>S</a:t>
+            </a:r>
+            <a:r>
+              <a:rPr lang="en-US" sz="3300" dirty="0" smtClean="0">
+                <a:solidFill>
+                  <a:srgbClr val="FFFF00"/>
+                </a:solidFill>
+                <a:latin typeface="BreakersSlab-Bold" pitchFamily="50" charset="0"/>
+                <a:cs typeface="BreakersSlab-Bold" pitchFamily="50" charset="0"/>
+              </a:rPr>
+              <a:t>mart </a:t>
+            </a:r>
+            <a:r>
+              <a:rPr lang="en-US" sz="3300" dirty="0" smtClean="0">
+                <a:solidFill>
+                  <a:srgbClr val="FFFF00"/>
+                </a:solidFill>
+                <a:latin typeface="BreakersSlab-Bold" pitchFamily="50" charset="0"/>
+                <a:cs typeface="BreakersSlab-Bold" pitchFamily="50" charset="0"/>
+              </a:rPr>
+              <a:t>Connected device</a:t>
+            </a:r>
+            <a:endParaRPr lang="en-US" sz="3300" dirty="0">
+              <a:solidFill>
+                <a:srgbClr val="FFFF00"/>
+              </a:solidFill>
               <a:latin typeface="BreakersSlab-Bold" pitchFamily="50" charset="0"/>
               <a:cs typeface="BreakersSlab-Bold" pitchFamily="50" charset="0"/>
             </a:endParaRPr>
@@ -4346,10 +4377,48 @@
           <a:chExt cx="0" cy="0"/>
         </a:xfrm>
       </p:grpSpPr>
+      <p:sp>
+        <p:nvSpPr>
+          <p:cNvPr id="2" name="Content Placeholder 1"/>
+          <p:cNvSpPr>
+            <a:spLocks noGrp="1"/>
+          </p:cNvSpPr>
+          <p:nvPr>
+            <p:ph sz="quarter" idx="13"/>
+          </p:nvPr>
+        </p:nvSpPr>
+        <p:spPr/>
+        <p:txBody>
+          <a:bodyPr/>
+          <a:lstStyle/>
+          <a:p>
+            <a:endParaRPr lang="ko-KR" altLang="en-US"/>
+          </a:p>
+        </p:txBody>
+      </p:sp>
+      <p:sp>
+        <p:nvSpPr>
+          <p:cNvPr id="3" name="Title 2"/>
+          <p:cNvSpPr>
+            <a:spLocks noGrp="1"/>
+          </p:cNvSpPr>
+          <p:nvPr>
+            <p:ph type="title"/>
+          </p:nvPr>
+        </p:nvSpPr>
+        <p:spPr/>
+        <p:txBody>
+          <a:bodyPr/>
+          <a:lstStyle/>
+          <a:p>
+            <a:endParaRPr lang="ko-KR" altLang="en-US" dirty="0"/>
+          </a:p>
+        </p:txBody>
+      </p:sp>
     </p:spTree>
     <p:extLst>
       <p:ext uri="{BB962C8B-B14F-4D97-AF65-F5344CB8AC3E}">
-        <p14:creationId xmlns:p14="http://schemas.microsoft.com/office/powerpoint/2010/main" val="307453112"/>
+        <p14:creationId xmlns:p14="http://schemas.microsoft.com/office/powerpoint/2010/main" val="1111012089"/>
       </p:ext>
     </p:extLst>
   </p:cSld>
@@ -4395,8 +4464,8 @@
         </p:nvSpPr>
         <p:spPr>
           <a:xfrm>
-            <a:off x="0" y="2438400"/>
-            <a:ext cx="9448800" cy="3505200"/>
+            <a:off x="152400" y="2438400"/>
+            <a:ext cx="9067800" cy="1752600"/>
           </a:xfrm>
         </p:spPr>
         <p:txBody>
@@ -4510,7 +4579,7 @@
                 <a:latin typeface="BreakersSlab-Bold" pitchFamily="50" charset="0"/>
                 <a:cs typeface="BreakersSlab-Bold" pitchFamily="50" charset="0"/>
               </a:rPr>
-              <a:t>year old </a:t>
+              <a:t>years old </a:t>
             </a:r>
             <a:r>
               <a:rPr lang="en-US" sz="5000" dirty="0" smtClean="0">
@@ -4655,8 +4724,8 @@
         </p:nvSpPr>
         <p:spPr>
           <a:xfrm>
-            <a:off x="0" y="2438400"/>
-            <a:ext cx="9448800" cy="3505200"/>
+            <a:off x="228600" y="2438400"/>
+            <a:ext cx="8763000" cy="3505200"/>
           </a:xfrm>
         </p:spPr>
         <p:txBody>
@@ -5421,8 +5490,8 @@
         </p:nvSpPr>
         <p:spPr>
           <a:xfrm>
-            <a:off x="0" y="1828800"/>
-            <a:ext cx="9448800" cy="3505200"/>
+            <a:off x="381000" y="1447800"/>
+            <a:ext cx="8610600" cy="3505200"/>
           </a:xfrm>
         </p:spPr>
         <p:txBody>
@@ -5431,6 +5500,7 @@
           </a:bodyPr>
           <a:lstStyle/>
           <a:p>
+            <a:pPr algn="ctr"/>
             <a:r>
               <a:rPr lang="en-US" sz="8000" dirty="0" smtClean="0">
                 <a:effectLst>

--- a/Traveler-SCD Midterm Presentation.pptx
+++ b/Traveler-SCD Midterm Presentation.pptx
@@ -17,7 +17,11 @@
     <p:sldId id="265" r:id="rId11"/>
     <p:sldId id="267" r:id="rId12"/>
     <p:sldId id="268" r:id="rId13"/>
-    <p:sldId id="269" r:id="rId14"/>
+    <p:sldId id="270" r:id="rId14"/>
+    <p:sldId id="271" r:id="rId15"/>
+    <p:sldId id="272" r:id="rId16"/>
+    <p:sldId id="273" r:id="rId17"/>
+    <p:sldId id="269" r:id="rId18"/>
   </p:sldIdLst>
   <p:sldSz cx="9144000" cy="6858000" type="screen4x3"/>
   <p:notesSz cx="6858000" cy="9144000"/>
@@ -118,7 +122,7 @@
   </p:defaultTextStyle>
   <p:extLst>
     <p:ext uri="{EFAFB233-063F-42B5-8137-9DF3F51BA10A}">
-      <p15:sldGuideLst xmlns:p15="http://schemas.microsoft.com/office/powerpoint/2012/main">
+      <p15:sldGuideLst xmlns:p15="http://schemas.microsoft.com/office/powerpoint/2012/main" xmlns="">
         <p15:guide id="1" orient="horz" pos="2160">
           <p15:clr>
             <a:srgbClr val="A4A3A4"/>
@@ -366,7 +370,7 @@
                     <a:cs typeface="BreakersSlab-Bold" pitchFamily="50" charset="0"/>
                   </a:defRPr>
                 </a:pPr>
-                <a:endParaRPr lang="ko-KR"/>
+                <a:endParaRPr lang="en-US"/>
               </a:p>
             </c:txPr>
             <c:showLegendKey val="0"/>
@@ -494,7 +498,7 @@
       <a:pPr>
         <a:defRPr/>
       </a:pPr>
-      <a:endParaRPr lang="ko-KR"/>
+      <a:endParaRPr lang="en-US"/>
     </a:p>
   </c:txPr>
   <c:externalData r:id="rId1">
@@ -3860,27 +3864,7 @@
                 <a:latin typeface="BreakersSlab-Bold" pitchFamily="50" charset="0"/>
                 <a:cs typeface="BreakersSlab-Bold" pitchFamily="50" charset="0"/>
               </a:rPr>
-              <a:t>S</a:t>
-            </a:r>
-            <a:r>
-              <a:rPr lang="en-US" sz="3300" dirty="0" smtClean="0">
-                <a:solidFill>
-                  <a:srgbClr val="FFFF00"/>
-                </a:solidFill>
-                <a:latin typeface="BreakersSlab-Bold" pitchFamily="50" charset="0"/>
-                <a:cs typeface="BreakersSlab-Bold" pitchFamily="50" charset="0"/>
-              </a:rPr>
-              <a:t>mart </a:t>
-            </a:r>
-            <a:r>
-              <a:rPr lang="en-US" sz="3300" dirty="0" smtClean="0">
-                <a:solidFill>
-                  <a:srgbClr val="FFFF00"/>
-                </a:solidFill>
-                <a:latin typeface="BreakersSlab-Bold" pitchFamily="50" charset="0"/>
-                <a:cs typeface="BreakersSlab-Bold" pitchFamily="50" charset="0"/>
-              </a:rPr>
-              <a:t>Connected device</a:t>
+              <a:t>Smart Connected device</a:t>
             </a:r>
             <a:endParaRPr lang="en-US" sz="3300" dirty="0">
               <a:solidFill>
@@ -4293,7 +4277,7 @@
         </p:nvSpPr>
         <p:spPr>
           <a:xfrm>
-            <a:off x="457200" y="1828800"/>
+            <a:off x="381000" y="1524000"/>
             <a:ext cx="8229600" cy="4525963"/>
           </a:xfrm>
         </p:spPr>
@@ -4315,20 +4299,37 @@
             </a:r>
             <a:r>
               <a:rPr lang="en-US" sz="8800" i="0" dirty="0" smtClean="0">
-                <a:solidFill>
-                  <a:srgbClr val="FF0000"/>
-                </a:solidFill>
                 <a:latin typeface="BreakersSlab-Bold" pitchFamily="50" charset="0"/>
                 <a:cs typeface="BreakersSlab-Bold" pitchFamily="50" charset="0"/>
               </a:rPr>
-              <a:t>must</a:t>
+              <a:t>learned that we </a:t>
+            </a:r>
+            <a:r>
+              <a:rPr lang="en-US" sz="8800" i="0" dirty="0" smtClean="0">
+                <a:solidFill>
+                  <a:srgbClr val="FF0000"/>
+                </a:solidFill>
+                <a:latin typeface="BreakersSlab-Bold" pitchFamily="50" charset="0"/>
+                <a:cs typeface="BreakersSlab-Bold" pitchFamily="50" charset="0"/>
+              </a:rPr>
+              <a:t>must </a:t>
+            </a:r>
+            <a:r>
+              <a:rPr lang="en-US" sz="8800" i="0" dirty="0" smtClean="0">
+                <a:solidFill>
+                  <a:srgbClr val="FF0000"/>
+                </a:solidFill>
+                <a:latin typeface="BreakersSlab-Bold" pitchFamily="50" charset="0"/>
+                <a:cs typeface="BreakersSlab-Bold" pitchFamily="50" charset="0"/>
+              </a:rPr>
+              <a:t>change </a:t>
             </a:r>
             <a:r>
               <a:rPr lang="en-US" sz="8800" i="0" dirty="0" smtClean="0">
                 <a:latin typeface="BreakersSlab-Bold" pitchFamily="50" charset="0"/>
                 <a:cs typeface="BreakersSlab-Bold" pitchFamily="50" charset="0"/>
               </a:rPr>
-              <a:t> change the value prop</a:t>
+              <a:t>the value prop</a:t>
             </a:r>
             <a:endParaRPr lang="en-US" sz="8800" i="0" dirty="0">
               <a:solidFill>
@@ -4379,7 +4380,163 @@
       </p:grpSpPr>
       <p:sp>
         <p:nvSpPr>
-          <p:cNvPr id="2" name="Content Placeholder 1"/>
+          <p:cNvPr id="2" name="Title 1"/>
+          <p:cNvSpPr>
+            <a:spLocks noGrp="1"/>
+          </p:cNvSpPr>
+          <p:nvPr>
+            <p:ph type="title"/>
+          </p:nvPr>
+        </p:nvSpPr>
+        <p:spPr>
+          <a:xfrm>
+            <a:off x="-152400" y="1371600"/>
+            <a:ext cx="9448800" cy="3505200"/>
+          </a:xfrm>
+        </p:spPr>
+        <p:txBody>
+          <a:bodyPr>
+            <a:noAutofit/>
+          </a:bodyPr>
+          <a:lstStyle/>
+          <a:p>
+            <a:pPr algn="ctr"/>
+            <a:r>
+              <a:rPr lang="en-US" sz="9600" dirty="0" smtClean="0">
+                <a:effectLst>
+                  <a:outerShdw blurRad="60007" dir="2000400" sy="-30000" kx="-800400" algn="bl" rotWithShape="0">
+                    <a:prstClr val="black">
+                      <a:alpha val="20000"/>
+                    </a:prstClr>
+                  </a:outerShdw>
+                </a:effectLst>
+                <a:latin typeface="BreakersSlab-Bold" pitchFamily="50" charset="0"/>
+                <a:cs typeface="BreakersSlab-Bold" pitchFamily="50" charset="0"/>
+              </a:rPr>
+              <a:t>Lessons from</a:t>
+            </a:r>
+            <a:br>
+              <a:rPr lang="en-US" sz="9600" dirty="0" smtClean="0">
+                <a:effectLst>
+                  <a:outerShdw blurRad="60007" dir="2000400" sy="-30000" kx="-800400" algn="bl" rotWithShape="0">
+                    <a:prstClr val="black">
+                      <a:alpha val="20000"/>
+                    </a:prstClr>
+                  </a:outerShdw>
+                </a:effectLst>
+                <a:latin typeface="BreakersSlab-Bold" pitchFamily="50" charset="0"/>
+                <a:cs typeface="BreakersSlab-Bold" pitchFamily="50" charset="0"/>
+              </a:rPr>
+            </a:br>
+            <a:r>
+              <a:rPr lang="en-US" sz="9600" dirty="0" err="1" smtClean="0">
+                <a:effectLst>
+                  <a:outerShdw blurRad="60007" dir="2000400" sy="-30000" kx="-800400" algn="bl" rotWithShape="0">
+                    <a:prstClr val="black">
+                      <a:alpha val="20000"/>
+                    </a:prstClr>
+                  </a:outerShdw>
+                </a:effectLst>
+                <a:latin typeface="BreakersSlab-Bold" pitchFamily="50" charset="0"/>
+                <a:cs typeface="BreakersSlab-Bold" pitchFamily="50" charset="0"/>
+              </a:rPr>
+              <a:t>InTERVEWS</a:t>
+            </a:r>
+            <a:r>
+              <a:rPr lang="en-US" sz="9600" dirty="0">
+                <a:effectLst>
+                  <a:outerShdw blurRad="60007" dir="2000400" sy="-30000" kx="-800400" algn="bl" rotWithShape="0">
+                    <a:prstClr val="black">
+                      <a:alpha val="20000"/>
+                    </a:prstClr>
+                  </a:outerShdw>
+                </a:effectLst>
+                <a:latin typeface="BreakersSlab-Bold" pitchFamily="50" charset="0"/>
+                <a:cs typeface="BreakersSlab-Bold" pitchFamily="50" charset="0"/>
+              </a:rPr>
+              <a:t/>
+            </a:r>
+            <a:br>
+              <a:rPr lang="en-US" sz="9600" dirty="0">
+                <a:effectLst>
+                  <a:outerShdw blurRad="60007" dir="2000400" sy="-30000" kx="-800400" algn="bl" rotWithShape="0">
+                    <a:prstClr val="black">
+                      <a:alpha val="20000"/>
+                    </a:prstClr>
+                  </a:outerShdw>
+                </a:effectLst>
+                <a:latin typeface="BreakersSlab-Bold" pitchFamily="50" charset="0"/>
+                <a:cs typeface="BreakersSlab-Bold" pitchFamily="50" charset="0"/>
+              </a:rPr>
+            </a:br>
+            <a:r>
+              <a:rPr lang="en-US" sz="9600" dirty="0" smtClean="0">
+                <a:effectLst>
+                  <a:outerShdw blurRad="60007" dir="2000400" sy="-30000" kx="-800400" algn="bl" rotWithShape="0">
+                    <a:prstClr val="black">
+                      <a:alpha val="20000"/>
+                    </a:prstClr>
+                  </a:outerShdw>
+                </a:effectLst>
+                <a:latin typeface="BreakersSlab-Bold" pitchFamily="50" charset="0"/>
+                <a:cs typeface="BreakersSlab-Bold" pitchFamily="50" charset="0"/>
+              </a:rPr>
+              <a:t>ROUND 2</a:t>
+            </a:r>
+            <a:endParaRPr lang="en-US" sz="9600" dirty="0">
+              <a:effectLst>
+                <a:outerShdw blurRad="60007" dir="2000400" sy="-30000" kx="-800400" algn="bl" rotWithShape="0">
+                  <a:prstClr val="black">
+                    <a:alpha val="20000"/>
+                  </a:prstClr>
+                </a:outerShdw>
+              </a:effectLst>
+              <a:latin typeface="BreakersSlab-Bold" pitchFamily="50" charset="0"/>
+              <a:cs typeface="BreakersSlab-Bold" pitchFamily="50" charset="0"/>
+            </a:endParaRPr>
+          </a:p>
+        </p:txBody>
+      </p:sp>
+    </p:spTree>
+    <p:extLst>
+      <p:ext uri="{BB962C8B-B14F-4D97-AF65-F5344CB8AC3E}">
+        <p14:creationId xmlns:p14="http://schemas.microsoft.com/office/powerpoint/2010/main" val="3876472606"/>
+      </p:ext>
+    </p:extLst>
+  </p:cSld>
+  <p:clrMapOvr>
+    <a:masterClrMapping/>
+  </p:clrMapOvr>
+  <p:timing>
+    <p:tnLst>
+      <p:par>
+        <p:cTn id="1" dur="indefinite" restart="never" nodeType="tmRoot"/>
+      </p:par>
+    </p:tnLst>
+  </p:timing>
+</p:sld>
+</file>
+
+<file path=ppt/slides/slide14.xml><?xml version="1.0" encoding="utf-8"?>
+<p:sld xmlns:a="http://schemas.openxmlformats.org/drawingml/2006/main" xmlns:r="http://schemas.openxmlformats.org/officeDocument/2006/relationships" xmlns:p="http://schemas.openxmlformats.org/presentationml/2006/main">
+  <p:cSld>
+    <p:spTree>
+      <p:nvGrpSpPr>
+        <p:cNvPr id="1" name=""/>
+        <p:cNvGrpSpPr/>
+        <p:nvPr/>
+      </p:nvGrpSpPr>
+      <p:grpSpPr>
+        <a:xfrm>
+          <a:off x="0" y="0"/>
+          <a:ext cx="0" cy="0"/>
+          <a:chOff x="0" y="0"/>
+          <a:chExt cx="0" cy="0"/>
+        </a:xfrm>
+      </p:grpSpPr>
+      <p:sp>
+        <p:nvSpPr>
+          <p:cNvPr id="3" name="Content Placeholder 2"/>
           <p:cNvSpPr>
             <a:spLocks noGrp="1"/>
           </p:cNvSpPr>
@@ -4387,18 +4544,305 @@
             <p:ph sz="quarter" idx="13"/>
           </p:nvPr>
         </p:nvSpPr>
-        <p:spPr/>
-        <p:txBody>
-          <a:bodyPr/>
+        <p:spPr>
+          <a:xfrm>
+            <a:off x="457200" y="1143000"/>
+            <a:ext cx="8229600" cy="4525963"/>
+          </a:xfrm>
+        </p:spPr>
+        <p:txBody>
+          <a:bodyPr>
+            <a:normAutofit/>
+          </a:bodyPr>
           <a:lstStyle/>
           <a:p>
-            <a:endParaRPr lang="ko-KR" altLang="en-US"/>
-          </a:p>
-        </p:txBody>
-      </p:sp>
-      <p:sp>
-        <p:nvSpPr>
-          <p:cNvPr id="3" name="Title 2"/>
+            <a:pPr marL="0" indent="0">
+              <a:buNone/>
+            </a:pPr>
+            <a:r>
+              <a:rPr lang="en-US" sz="5000" i="0" dirty="0" smtClean="0">
+                <a:latin typeface="BreakersSlab-Bold" pitchFamily="50" charset="0"/>
+                <a:cs typeface="BreakersSlab-Bold" pitchFamily="50" charset="0"/>
+              </a:rPr>
+              <a:t>The majority of backpackers interviewed (</a:t>
+            </a:r>
+            <a:r>
+              <a:rPr lang="en-US" sz="8800" i="0" dirty="0" smtClean="0">
+                <a:solidFill>
+                  <a:srgbClr val="FF0000"/>
+                </a:solidFill>
+                <a:latin typeface="BreakersSlab-Bold" pitchFamily="50" charset="0"/>
+                <a:cs typeface="BreakersSlab-Bold" pitchFamily="50" charset="0"/>
+              </a:rPr>
+              <a:t>7</a:t>
+            </a:r>
+            <a:r>
+              <a:rPr lang="en-US" sz="5000" i="0" dirty="0" smtClean="0">
+                <a:latin typeface="BreakersSlab-Bold" pitchFamily="50" charset="0"/>
+                <a:cs typeface="BreakersSlab-Bold" pitchFamily="50" charset="0"/>
+              </a:rPr>
+              <a:t> out of </a:t>
+            </a:r>
+            <a:r>
+              <a:rPr lang="en-US" sz="8800" i="0" dirty="0" smtClean="0">
+                <a:solidFill>
+                  <a:srgbClr val="FF0000"/>
+                </a:solidFill>
+                <a:latin typeface="BreakersSlab-Bold" pitchFamily="50" charset="0"/>
+                <a:cs typeface="BreakersSlab-Bold" pitchFamily="50" charset="0"/>
+              </a:rPr>
+              <a:t>8</a:t>
+            </a:r>
+            <a:r>
+              <a:rPr lang="en-US" sz="5000" i="0" dirty="0" smtClean="0">
+                <a:latin typeface="BreakersSlab-Bold" pitchFamily="50" charset="0"/>
+                <a:cs typeface="BreakersSlab-Bold" pitchFamily="50" charset="0"/>
+              </a:rPr>
+              <a:t>) encountered </a:t>
+            </a:r>
+            <a:r>
+              <a:rPr lang="en-US" sz="5000" i="0" dirty="0" smtClean="0">
+                <a:solidFill>
+                  <a:srgbClr val="FF0000"/>
+                </a:solidFill>
+                <a:latin typeface="BreakersSlab-Bold" pitchFamily="50" charset="0"/>
+                <a:cs typeface="BreakersSlab-Bold" pitchFamily="50" charset="0"/>
+              </a:rPr>
+              <a:t>back</a:t>
+            </a:r>
+            <a:r>
+              <a:rPr lang="en-US" sz="5000" i="0" dirty="0" smtClean="0">
+                <a:latin typeface="BreakersSlab-Bold" pitchFamily="50" charset="0"/>
+                <a:cs typeface="BreakersSlab-Bold" pitchFamily="50" charset="0"/>
+              </a:rPr>
+              <a:t> and </a:t>
+            </a:r>
+            <a:r>
+              <a:rPr lang="en-US" sz="5000" i="0" dirty="0" smtClean="0">
+                <a:solidFill>
+                  <a:srgbClr val="FF0000"/>
+                </a:solidFill>
+                <a:latin typeface="BreakersSlab-Bold" pitchFamily="50" charset="0"/>
+                <a:cs typeface="BreakersSlab-Bold" pitchFamily="50" charset="0"/>
+              </a:rPr>
+              <a:t>shoulder pain </a:t>
+            </a:r>
+            <a:r>
+              <a:rPr lang="en-US" sz="5000" i="0" dirty="0" smtClean="0">
+                <a:latin typeface="BreakersSlab-Bold" pitchFamily="50" charset="0"/>
+                <a:cs typeface="BreakersSlab-Bold" pitchFamily="50" charset="0"/>
+              </a:rPr>
+              <a:t>when traveling</a:t>
+            </a:r>
+            <a:endParaRPr lang="en-US" sz="13800" i="0" dirty="0">
+              <a:solidFill>
+                <a:srgbClr val="FF0000"/>
+              </a:solidFill>
+              <a:latin typeface="BreakersSlab-Bold" pitchFamily="50" charset="0"/>
+              <a:cs typeface="BreakersSlab-Bold" pitchFamily="50" charset="0"/>
+            </a:endParaRPr>
+          </a:p>
+        </p:txBody>
+      </p:sp>
+    </p:spTree>
+    <p:extLst>
+      <p:ext uri="{BB962C8B-B14F-4D97-AF65-F5344CB8AC3E}">
+        <p14:creationId xmlns:p14="http://schemas.microsoft.com/office/powerpoint/2010/main" val="2780716697"/>
+      </p:ext>
+    </p:extLst>
+  </p:cSld>
+  <p:clrMapOvr>
+    <a:masterClrMapping/>
+  </p:clrMapOvr>
+  <p:timing>
+    <p:tnLst>
+      <p:par>
+        <p:cTn id="1" dur="indefinite" restart="never" nodeType="tmRoot"/>
+      </p:par>
+    </p:tnLst>
+  </p:timing>
+</p:sld>
+</file>
+
+<file path=ppt/slides/slide15.xml><?xml version="1.0" encoding="utf-8"?>
+<p:sld xmlns:a="http://schemas.openxmlformats.org/drawingml/2006/main" xmlns:r="http://schemas.openxmlformats.org/officeDocument/2006/relationships" xmlns:p="http://schemas.openxmlformats.org/presentationml/2006/main">
+  <p:cSld>
+    <p:spTree>
+      <p:nvGrpSpPr>
+        <p:cNvPr id="1" name=""/>
+        <p:cNvGrpSpPr/>
+        <p:nvPr/>
+      </p:nvGrpSpPr>
+      <p:grpSpPr>
+        <a:xfrm>
+          <a:off x="0" y="0"/>
+          <a:ext cx="0" cy="0"/>
+          <a:chOff x="0" y="0"/>
+          <a:chExt cx="0" cy="0"/>
+        </a:xfrm>
+      </p:grpSpPr>
+      <p:sp>
+        <p:nvSpPr>
+          <p:cNvPr id="3" name="Content Placeholder 2"/>
+          <p:cNvSpPr>
+            <a:spLocks noGrp="1"/>
+          </p:cNvSpPr>
+          <p:nvPr>
+            <p:ph sz="quarter" idx="13"/>
+          </p:nvPr>
+        </p:nvSpPr>
+        <p:spPr>
+          <a:xfrm>
+            <a:off x="457200" y="1143000"/>
+            <a:ext cx="8229600" cy="4525963"/>
+          </a:xfrm>
+        </p:spPr>
+        <p:txBody>
+          <a:bodyPr>
+            <a:normAutofit fontScale="92500"/>
+          </a:bodyPr>
+          <a:lstStyle/>
+          <a:p>
+            <a:pPr marL="0" indent="0">
+              <a:buNone/>
+            </a:pPr>
+            <a:r>
+              <a:rPr lang="en-US" sz="5000" i="0" dirty="0" smtClean="0">
+                <a:latin typeface="BreakersSlab-Bold" pitchFamily="50" charset="0"/>
+                <a:cs typeface="BreakersSlab-Bold" pitchFamily="50" charset="0"/>
+              </a:rPr>
+              <a:t>PROBLEMS WITH THIS:</a:t>
+            </a:r>
+          </a:p>
+          <a:p>
+            <a:pPr>
+              <a:buFontTx/>
+              <a:buChar char="-"/>
+            </a:pPr>
+            <a:r>
+              <a:rPr lang="en-US" sz="5000" i="0" dirty="0">
+                <a:latin typeface="BreakersSlab-Bold" pitchFamily="50" charset="0"/>
+                <a:cs typeface="BreakersSlab-Bold" pitchFamily="50" charset="0"/>
+              </a:rPr>
+              <a:t> </a:t>
+            </a:r>
+            <a:r>
+              <a:rPr lang="en-US" sz="5000" i="0" dirty="0" smtClean="0">
+                <a:solidFill>
+                  <a:srgbClr val="FF0000"/>
+                </a:solidFill>
+                <a:latin typeface="BreakersSlab-Bold" pitchFamily="50" charset="0"/>
+                <a:cs typeface="BreakersSlab-Bold" pitchFamily="50" charset="0"/>
+              </a:rPr>
+              <a:t>Cost</a:t>
+            </a:r>
+            <a:r>
+              <a:rPr lang="en-US" sz="5000" i="0" dirty="0" smtClean="0">
+                <a:latin typeface="BreakersSlab-Bold" pitchFamily="50" charset="0"/>
+                <a:cs typeface="BreakersSlab-Bold" pitchFamily="50" charset="0"/>
+              </a:rPr>
+              <a:t> of massage parlor</a:t>
+            </a:r>
+          </a:p>
+          <a:p>
+            <a:pPr>
+              <a:buFontTx/>
+              <a:buChar char="-"/>
+            </a:pPr>
+            <a:r>
+              <a:rPr lang="en-US" sz="5000" i="0" dirty="0" smtClean="0">
+                <a:latin typeface="BreakersSlab-Bold" pitchFamily="50" charset="0"/>
+                <a:cs typeface="BreakersSlab-Bold" pitchFamily="50" charset="0"/>
+              </a:rPr>
+              <a:t>Dislike of </a:t>
+            </a:r>
+            <a:r>
+              <a:rPr lang="en-US" sz="5000" i="0" dirty="0" smtClean="0">
+                <a:solidFill>
+                  <a:srgbClr val="FF0000"/>
+                </a:solidFill>
+                <a:latin typeface="BreakersSlab-Bold" pitchFamily="50" charset="0"/>
+                <a:cs typeface="BreakersSlab-Bold" pitchFamily="50" charset="0"/>
+              </a:rPr>
+              <a:t>being touched by others</a:t>
+            </a:r>
+          </a:p>
+          <a:p>
+            <a:pPr>
+              <a:buFontTx/>
+              <a:buChar char="-"/>
+            </a:pPr>
+            <a:r>
+              <a:rPr lang="en-US" sz="5000" i="0" dirty="0" smtClean="0">
+                <a:latin typeface="BreakersSlab-Bold" pitchFamily="50" charset="0"/>
+                <a:cs typeface="BreakersSlab-Bold" pitchFamily="50" charset="0"/>
+              </a:rPr>
+              <a:t> </a:t>
+            </a:r>
+            <a:r>
+              <a:rPr lang="en-US" sz="5000" i="0" dirty="0" smtClean="0">
+                <a:solidFill>
+                  <a:srgbClr val="FF0000"/>
+                </a:solidFill>
+                <a:latin typeface="BreakersSlab-Bold" pitchFamily="50" charset="0"/>
+                <a:cs typeface="BreakersSlab-Bold" pitchFamily="50" charset="0"/>
+              </a:rPr>
+              <a:t>Distance</a:t>
+            </a:r>
+            <a:r>
+              <a:rPr lang="en-US" sz="5000" i="0" dirty="0" smtClean="0">
+                <a:latin typeface="BreakersSlab-Bold" pitchFamily="50" charset="0"/>
+                <a:cs typeface="BreakersSlab-Bold" pitchFamily="50" charset="0"/>
+              </a:rPr>
+              <a:t> from massage parlor</a:t>
+            </a:r>
+            <a:endParaRPr lang="en-US" sz="13800" i="0" dirty="0">
+              <a:latin typeface="BreakersSlab-Bold" pitchFamily="50" charset="0"/>
+              <a:cs typeface="BreakersSlab-Bold" pitchFamily="50" charset="0"/>
+            </a:endParaRPr>
+          </a:p>
+        </p:txBody>
+      </p:sp>
+    </p:spTree>
+    <p:extLst>
+      <p:ext uri="{BB962C8B-B14F-4D97-AF65-F5344CB8AC3E}">
+        <p14:creationId xmlns:p14="http://schemas.microsoft.com/office/powerpoint/2010/main" val="272411054"/>
+      </p:ext>
+    </p:extLst>
+  </p:cSld>
+  <p:clrMapOvr>
+    <a:masterClrMapping/>
+  </p:clrMapOvr>
+  <p:timing>
+    <p:tnLst>
+      <p:par>
+        <p:cTn id="1" dur="indefinite" restart="never" nodeType="tmRoot"/>
+      </p:par>
+    </p:tnLst>
+  </p:timing>
+</p:sld>
+</file>
+
+<file path=ppt/slides/slide16.xml><?xml version="1.0" encoding="utf-8"?>
+<p:sld xmlns:a="http://schemas.openxmlformats.org/drawingml/2006/main" xmlns:r="http://schemas.openxmlformats.org/officeDocument/2006/relationships" xmlns:p="http://schemas.openxmlformats.org/presentationml/2006/main">
+  <p:cSld>
+    <p:spTree>
+      <p:nvGrpSpPr>
+        <p:cNvPr id="1" name=""/>
+        <p:cNvGrpSpPr/>
+        <p:nvPr/>
+      </p:nvGrpSpPr>
+      <p:grpSpPr>
+        <a:xfrm>
+          <a:off x="0" y="0"/>
+          <a:ext cx="0" cy="0"/>
+          <a:chOff x="0" y="0"/>
+          <a:chExt cx="0" cy="0"/>
+        </a:xfrm>
+      </p:grpSpPr>
+      <p:sp>
+        <p:nvSpPr>
+          <p:cNvPr id="2" name="Title 1"/>
           <p:cNvSpPr>
             <a:spLocks noGrp="1"/>
           </p:cNvSpPr>
@@ -4406,12 +4850,584 @@
             <p:ph type="title"/>
           </p:nvPr>
         </p:nvSpPr>
-        <p:spPr/>
-        <p:txBody>
-          <a:bodyPr/>
+        <p:spPr>
+          <a:xfrm>
+            <a:off x="-152400" y="1905000"/>
+            <a:ext cx="9448800" cy="3505200"/>
+          </a:xfrm>
+        </p:spPr>
+        <p:txBody>
+          <a:bodyPr>
+            <a:noAutofit/>
+          </a:bodyPr>
           <a:lstStyle/>
           <a:p>
-            <a:endParaRPr lang="ko-KR" altLang="en-US" dirty="0"/>
+            <a:pPr algn="ctr"/>
+            <a:r>
+              <a:rPr lang="en-US" sz="9600" dirty="0" smtClean="0">
+                <a:effectLst>
+                  <a:outerShdw blurRad="60007" dir="2000400" sy="-30000" kx="-800400" algn="bl" rotWithShape="0">
+                    <a:prstClr val="black">
+                      <a:alpha val="20000"/>
+                    </a:prstClr>
+                  </a:outerShdw>
+                </a:effectLst>
+                <a:latin typeface="BreakersSlab-Bold" pitchFamily="50" charset="0"/>
+                <a:cs typeface="BreakersSlab-Bold" pitchFamily="50" charset="0"/>
+              </a:rPr>
+              <a:t>Our Solution</a:t>
+            </a:r>
+            <a:endParaRPr lang="en-US" sz="9600" dirty="0">
+              <a:effectLst>
+                <a:outerShdw blurRad="60007" dir="2000400" sy="-30000" kx="-800400" algn="bl" rotWithShape="0">
+                  <a:prstClr val="black">
+                    <a:alpha val="20000"/>
+                  </a:prstClr>
+                </a:outerShdw>
+              </a:effectLst>
+              <a:latin typeface="BreakersSlab-Bold" pitchFamily="50" charset="0"/>
+              <a:cs typeface="BreakersSlab-Bold" pitchFamily="50" charset="0"/>
+            </a:endParaRPr>
+          </a:p>
+        </p:txBody>
+      </p:sp>
+    </p:spTree>
+    <p:extLst>
+      <p:ext uri="{BB962C8B-B14F-4D97-AF65-F5344CB8AC3E}">
+        <p14:creationId xmlns:p14="http://schemas.microsoft.com/office/powerpoint/2010/main" val="1318593124"/>
+      </p:ext>
+    </p:extLst>
+  </p:cSld>
+  <p:clrMapOvr>
+    <a:masterClrMapping/>
+  </p:clrMapOvr>
+  <p:timing>
+    <p:tnLst>
+      <p:par>
+        <p:cTn id="1" dur="indefinite" restart="never" nodeType="tmRoot"/>
+      </p:par>
+    </p:tnLst>
+  </p:timing>
+</p:sld>
+</file>
+
+<file path=ppt/slides/slide17.xml><?xml version="1.0" encoding="utf-8"?>
+<p:sld xmlns:a="http://schemas.openxmlformats.org/drawingml/2006/main" xmlns:r="http://schemas.openxmlformats.org/officeDocument/2006/relationships" xmlns:p="http://schemas.openxmlformats.org/presentationml/2006/main">
+  <p:cSld>
+    <p:spTree>
+      <p:nvGrpSpPr>
+        <p:cNvPr id="1" name=""/>
+        <p:cNvGrpSpPr/>
+        <p:nvPr/>
+      </p:nvGrpSpPr>
+      <p:grpSpPr>
+        <a:xfrm>
+          <a:off x="0" y="0"/>
+          <a:ext cx="0" cy="0"/>
+          <a:chOff x="0" y="0"/>
+          <a:chExt cx="0" cy="0"/>
+        </a:xfrm>
+      </p:grpSpPr>
+      <p:pic>
+        <p:nvPicPr>
+          <p:cNvPr id="1026" name="Picture 2" descr="http://www.zewa.com/images/tens_digital.jpg"/>
+          <p:cNvPicPr>
+            <a:picLocks noChangeAspect="1" noChangeArrowheads="1"/>
+          </p:cNvPicPr>
+          <p:nvPr/>
+        </p:nvPicPr>
+        <p:blipFill>
+          <a:blip r:embed="rId2">
+            <a:extLst>
+              <a:ext uri="{BEBA8EAE-BF5A-486C-A8C5-ECC9F3942E4B}">
+                <a14:imgProps xmlns:a14="http://schemas.microsoft.com/office/drawing/2010/main">
+                  <a14:imgLayer r:embed="rId3">
+                    <a14:imgEffect>
+                      <a14:backgroundRemoval t="0" b="100000" l="0" r="100000">
+                        <a14:foregroundMark x1="20667" y1="75333" x2="62000" y2="82333"/>
+                        <a14:foregroundMark x1="35667" y1="63667" x2="36333" y2="56333"/>
+                        <a14:foregroundMark x1="38000" y1="70333" x2="34667" y2="65000"/>
+                        <a14:foregroundMark x1="53000" y1="63667" x2="56333" y2="70333"/>
+                        <a14:foregroundMark x1="58000" y1="77000" x2="57000" y2="71667"/>
+                        <a14:foregroundMark x1="57667" y1="62000" x2="69000" y2="69000"/>
+                        <a14:foregroundMark x1="23000" y1="67333" x2="25333" y2="61667"/>
+                        <a14:foregroundMark x1="26000" y1="62000" x2="33667" y2="55667"/>
+                        <a14:backgroundMark x1="24333" y1="65333" x2="31667" y2="64000"/>
+                        <a14:backgroundMark x1="58000" y1="65667" x2="60667" y2="69667"/>
+                        <a14:backgroundMark x1="66333" y1="69333" x2="67000" y2="69333"/>
+                        <a14:backgroundMark x1="53667" y1="70667" x2="56333" y2="76000"/>
+                        <a14:backgroundMark x1="34000" y1="67000" x2="36333" y2="69000"/>
+                      </a14:backgroundRemoval>
+                    </a14:imgEffect>
+                  </a14:imgLayer>
+                </a14:imgProps>
+              </a:ext>
+              <a:ext uri="{28A0092B-C50C-407E-A947-70E740481C1C}">
+                <a14:useLocalDpi xmlns:a14="http://schemas.microsoft.com/office/drawing/2010/main" val="0"/>
+              </a:ext>
+            </a:extLst>
+          </a:blip>
+          <a:srcRect/>
+          <a:stretch>
+            <a:fillRect/>
+          </a:stretch>
+        </p:blipFill>
+        <p:spPr bwMode="auto">
+          <a:xfrm>
+            <a:off x="5926282" y="2209800"/>
+            <a:ext cx="2667000" cy="2667000"/>
+          </a:xfrm>
+          <a:prstGeom prst="rect">
+            <a:avLst/>
+          </a:prstGeom>
+          <a:noFill/>
+          <a:extLst>
+            <a:ext uri="{909E8E84-426E-40DD-AFC4-6F175D3DCCD1}">
+              <a14:hiddenFill xmlns:a14="http://schemas.microsoft.com/office/drawing/2010/main">
+                <a:solidFill>
+                  <a:srgbClr val="FFFFFF"/>
+                </a:solidFill>
+              </a14:hiddenFill>
+            </a:ext>
+          </a:extLst>
+        </p:spPr>
+      </p:pic>
+      <p:pic>
+        <p:nvPicPr>
+          <p:cNvPr id="1028" name="Picture 4" descr="http://i3.stycdn.net/images/2013/11/45/article/herschel/ta11r01803/herschel-pop-quiz-suede-rucksack-grey-hairy-1510-zoom-0.jpg"/>
+          <p:cNvPicPr>
+            <a:picLocks noChangeAspect="1" noChangeArrowheads="1"/>
+          </p:cNvPicPr>
+          <p:nvPr/>
+        </p:nvPicPr>
+        <p:blipFill>
+          <a:blip r:embed="rId4" cstate="print">
+            <a:extLst>
+              <a:ext uri="{BEBA8EAE-BF5A-486C-A8C5-ECC9F3942E4B}">
+                <a14:imgProps xmlns:a14="http://schemas.microsoft.com/office/drawing/2010/main">
+                  <a14:imgLayer r:embed="rId5">
+                    <a14:imgEffect>
+                      <a14:backgroundRemoval t="0" b="100000" l="0" r="100000">
+                        <a14:foregroundMark x1="9454" y1="88067" x2="66179" y2="97133"/>
+                        <a14:foregroundMark x1="84600" y1="9800" x2="95809" y2="42667"/>
+                        <a14:foregroundMark x1="80507" y1="48200" x2="80994" y2="32133"/>
+                      </a14:backgroundRemoval>
+                    </a14:imgEffect>
+                  </a14:imgLayer>
+                </a14:imgProps>
+              </a:ext>
+              <a:ext uri="{28A0092B-C50C-407E-A947-70E740481C1C}">
+                <a14:useLocalDpi xmlns:a14="http://schemas.microsoft.com/office/drawing/2010/main" val="0"/>
+              </a:ext>
+            </a:extLst>
+          </a:blip>
+          <a:srcRect/>
+          <a:stretch>
+            <a:fillRect/>
+          </a:stretch>
+        </p:blipFill>
+        <p:spPr bwMode="auto">
+          <a:xfrm>
+            <a:off x="381000" y="1447800"/>
+            <a:ext cx="3505200" cy="5124561"/>
+          </a:xfrm>
+          <a:prstGeom prst="rect">
+            <a:avLst/>
+          </a:prstGeom>
+          <a:noFill/>
+          <a:extLst>
+            <a:ext uri="{909E8E84-426E-40DD-AFC4-6F175D3DCCD1}">
+              <a14:hiddenFill xmlns:a14="http://schemas.microsoft.com/office/drawing/2010/main">
+                <a:solidFill>
+                  <a:srgbClr val="FFFFFF"/>
+                </a:solidFill>
+              </a14:hiddenFill>
+            </a:ext>
+          </a:extLst>
+        </p:spPr>
+      </p:pic>
+      <p:sp>
+        <p:nvSpPr>
+          <p:cNvPr id="6" name="Content Placeholder 2"/>
+          <p:cNvSpPr>
+            <a:spLocks noGrp="1"/>
+          </p:cNvSpPr>
+          <p:nvPr>
+            <p:ph sz="quarter" idx="13"/>
+          </p:nvPr>
+        </p:nvSpPr>
+        <p:spPr>
+          <a:xfrm>
+            <a:off x="4495800" y="2455917"/>
+            <a:ext cx="2209800" cy="1554163"/>
+          </a:xfrm>
+        </p:spPr>
+        <p:txBody>
+          <a:bodyPr>
+            <a:normAutofit fontScale="85000" lnSpcReduction="20000"/>
+          </a:bodyPr>
+          <a:lstStyle/>
+          <a:p>
+            <a:pPr marL="0" indent="0">
+              <a:buNone/>
+            </a:pPr>
+            <a:r>
+              <a:rPr lang="en-US" sz="13800" i="0" dirty="0">
+                <a:latin typeface="BreakersSlab-Bold" pitchFamily="50" charset="0"/>
+                <a:cs typeface="BreakersSlab-Bold" pitchFamily="50" charset="0"/>
+              </a:rPr>
+              <a:t>+</a:t>
+            </a:r>
+            <a:endParaRPr lang="en-US" sz="13800" i="0" dirty="0">
+              <a:latin typeface="BreakersSlab-Bold" pitchFamily="50" charset="0"/>
+              <a:cs typeface="BreakersSlab-Bold" pitchFamily="50" charset="0"/>
+            </a:endParaRPr>
+          </a:p>
+        </p:txBody>
+      </p:sp>
+      <p:sp>
+        <p:nvSpPr>
+          <p:cNvPr id="7" name="Content Placeholder 2"/>
+          <p:cNvSpPr txBox="1">
+            <a:spLocks/>
+          </p:cNvSpPr>
+          <p:nvPr/>
+        </p:nvSpPr>
+        <p:spPr>
+          <a:xfrm>
+            <a:off x="193964" y="304800"/>
+            <a:ext cx="4606636" cy="1981200"/>
+          </a:xfrm>
+          <a:prstGeom prst="rect">
+            <a:avLst/>
+          </a:prstGeom>
+        </p:spPr>
+        <p:txBody>
+          <a:bodyPr vert="horz" lIns="91440" tIns="45720" rIns="91440" bIns="45720" rtlCol="0">
+            <a:normAutofit fontScale="92500"/>
+          </a:bodyPr>
+          <a:lstStyle>
+            <a:lvl1pPr marL="274320" indent="-274320" algn="l" defTabSz="914400" rtl="0" eaLnBrk="1" latinLnBrk="0" hangingPunct="1">
+              <a:spcBef>
+                <a:spcPct val="20000"/>
+              </a:spcBef>
+              <a:buFont typeface="Arial" pitchFamily="34" charset="0"/>
+              <a:buChar char="•"/>
+              <a:defRPr sz="1800" i="1" kern="1200">
+                <a:solidFill>
+                  <a:schemeClr val="tx1"/>
+                </a:solidFill>
+                <a:latin typeface="+mn-lt"/>
+                <a:ea typeface="+mn-ea"/>
+                <a:cs typeface="+mn-cs"/>
+              </a:defRPr>
+            </a:lvl1pPr>
+            <a:lvl2pPr marL="742950" indent="-285750" algn="l" defTabSz="914400" rtl="0" eaLnBrk="1" latinLnBrk="0" hangingPunct="1">
+              <a:spcBef>
+                <a:spcPct val="20000"/>
+              </a:spcBef>
+              <a:buFont typeface="Arial" pitchFamily="34" charset="0"/>
+              <a:buChar char="–"/>
+              <a:defRPr sz="1800" i="1" kern="1200">
+                <a:solidFill>
+                  <a:schemeClr val="tx1"/>
+                </a:solidFill>
+                <a:latin typeface="+mn-lt"/>
+                <a:ea typeface="+mn-ea"/>
+                <a:cs typeface="+mn-cs"/>
+              </a:defRPr>
+            </a:lvl2pPr>
+            <a:lvl3pPr marL="1143000" indent="-228600" algn="l" defTabSz="914400" rtl="0" eaLnBrk="1" latinLnBrk="0" hangingPunct="1">
+              <a:spcBef>
+                <a:spcPct val="20000"/>
+              </a:spcBef>
+              <a:buFont typeface="Arial" pitchFamily="34" charset="0"/>
+              <a:buChar char="•"/>
+              <a:defRPr sz="1800" i="1" kern="1200">
+                <a:solidFill>
+                  <a:schemeClr val="tx1"/>
+                </a:solidFill>
+                <a:latin typeface="+mn-lt"/>
+                <a:ea typeface="+mn-ea"/>
+                <a:cs typeface="+mn-cs"/>
+              </a:defRPr>
+            </a:lvl3pPr>
+            <a:lvl4pPr marL="1600200" indent="-228600" algn="l" defTabSz="914400" rtl="0" eaLnBrk="1" latinLnBrk="0" hangingPunct="1">
+              <a:spcBef>
+                <a:spcPct val="20000"/>
+              </a:spcBef>
+              <a:buFont typeface="Arial" pitchFamily="34" charset="0"/>
+              <a:buChar char="–"/>
+              <a:defRPr sz="1800" i="1" kern="1200">
+                <a:solidFill>
+                  <a:schemeClr val="tx1"/>
+                </a:solidFill>
+                <a:latin typeface="+mn-lt"/>
+                <a:ea typeface="+mn-ea"/>
+                <a:cs typeface="+mn-cs"/>
+              </a:defRPr>
+            </a:lvl4pPr>
+            <a:lvl5pPr marL="2057400" indent="-228600" algn="l" defTabSz="914400" rtl="0" eaLnBrk="1" latinLnBrk="0" hangingPunct="1">
+              <a:spcBef>
+                <a:spcPct val="20000"/>
+              </a:spcBef>
+              <a:buFont typeface="Arial" pitchFamily="34" charset="0"/>
+              <a:buChar char="»"/>
+              <a:defRPr sz="1800" i="1" kern="1200">
+                <a:solidFill>
+                  <a:schemeClr val="tx1"/>
+                </a:solidFill>
+                <a:latin typeface="+mn-lt"/>
+                <a:ea typeface="+mn-ea"/>
+                <a:cs typeface="+mn-cs"/>
+              </a:defRPr>
+            </a:lvl5pPr>
+            <a:lvl6pPr marL="2514600" indent="-228600" algn="l" defTabSz="914400" rtl="0" eaLnBrk="1" latinLnBrk="0" hangingPunct="1">
+              <a:spcBef>
+                <a:spcPct val="20000"/>
+              </a:spcBef>
+              <a:buFont typeface="Arial" pitchFamily="34" charset="0"/>
+              <a:buChar char="•"/>
+              <a:defRPr sz="1800" i="1" kern="1200">
+                <a:solidFill>
+                  <a:schemeClr val="tx1"/>
+                </a:solidFill>
+                <a:latin typeface="+mn-lt"/>
+                <a:ea typeface="+mn-ea"/>
+                <a:cs typeface="+mn-cs"/>
+              </a:defRPr>
+            </a:lvl6pPr>
+            <a:lvl7pPr marL="2971800" indent="-228600" algn="l" defTabSz="914400" rtl="0" eaLnBrk="1" latinLnBrk="0" hangingPunct="1">
+              <a:spcBef>
+                <a:spcPct val="20000"/>
+              </a:spcBef>
+              <a:buFont typeface="Arial" pitchFamily="34" charset="0"/>
+              <a:buChar char="•"/>
+              <a:defRPr sz="1800" i="1" kern="1200">
+                <a:solidFill>
+                  <a:schemeClr val="tx1"/>
+                </a:solidFill>
+                <a:latin typeface="+mn-lt"/>
+                <a:ea typeface="+mn-ea"/>
+                <a:cs typeface="+mn-cs"/>
+              </a:defRPr>
+            </a:lvl7pPr>
+            <a:lvl8pPr marL="3429000" indent="-228600" algn="l" defTabSz="914400" rtl="0" eaLnBrk="1" latinLnBrk="0" hangingPunct="1">
+              <a:spcBef>
+                <a:spcPct val="20000"/>
+              </a:spcBef>
+              <a:buFont typeface="Arial" pitchFamily="34" charset="0"/>
+              <a:buChar char="•"/>
+              <a:defRPr sz="1800" i="1" kern="1200">
+                <a:solidFill>
+                  <a:schemeClr val="tx1"/>
+                </a:solidFill>
+                <a:latin typeface="+mn-lt"/>
+                <a:ea typeface="+mn-ea"/>
+                <a:cs typeface="+mn-cs"/>
+              </a:defRPr>
+            </a:lvl8pPr>
+            <a:lvl9pPr marL="3886200" indent="-228600" algn="l" defTabSz="914400" rtl="0" eaLnBrk="1" latinLnBrk="0" hangingPunct="1">
+              <a:spcBef>
+                <a:spcPct val="20000"/>
+              </a:spcBef>
+              <a:buFont typeface="Arial" pitchFamily="34" charset="0"/>
+              <a:buChar char="•"/>
+              <a:defRPr sz="1800" kern="1200">
+                <a:solidFill>
+                  <a:schemeClr val="tx1"/>
+                </a:solidFill>
+                <a:latin typeface="+mn-lt"/>
+                <a:ea typeface="+mn-ea"/>
+                <a:cs typeface="+mn-cs"/>
+              </a:defRPr>
+            </a:lvl9pPr>
+          </a:lstStyle>
+          <a:p>
+            <a:pPr marL="0" indent="0">
+              <a:buFont typeface="Arial" pitchFamily="34" charset="0"/>
+              <a:buNone/>
+            </a:pPr>
+            <a:r>
+              <a:rPr lang="en-US" sz="8000" i="0" dirty="0" smtClean="0">
+                <a:latin typeface="BreakersSlab-Bold" pitchFamily="50" charset="0"/>
+                <a:cs typeface="BreakersSlab-Bold" pitchFamily="50" charset="0"/>
+              </a:rPr>
+              <a:t>BACKPACK</a:t>
+            </a:r>
+          </a:p>
+        </p:txBody>
+      </p:sp>
+      <p:sp>
+        <p:nvSpPr>
+          <p:cNvPr id="8" name="Content Placeholder 2"/>
+          <p:cNvSpPr txBox="1">
+            <a:spLocks/>
+          </p:cNvSpPr>
+          <p:nvPr/>
+        </p:nvSpPr>
+        <p:spPr>
+          <a:xfrm>
+            <a:off x="4800600" y="4849091"/>
+            <a:ext cx="4530436" cy="1828800"/>
+          </a:xfrm>
+          <a:prstGeom prst="rect">
+            <a:avLst/>
+          </a:prstGeom>
+        </p:spPr>
+        <p:txBody>
+          <a:bodyPr vert="horz" lIns="91440" tIns="45720" rIns="91440" bIns="45720" rtlCol="0">
+            <a:normAutofit fontScale="92500"/>
+          </a:bodyPr>
+          <a:lstStyle>
+            <a:lvl1pPr marL="274320" indent="-274320" algn="l" defTabSz="914400" rtl="0" eaLnBrk="1" latinLnBrk="0" hangingPunct="1">
+              <a:spcBef>
+                <a:spcPct val="20000"/>
+              </a:spcBef>
+              <a:buFont typeface="Arial" pitchFamily="34" charset="0"/>
+              <a:buChar char="•"/>
+              <a:defRPr sz="1800" i="1" kern="1200">
+                <a:solidFill>
+                  <a:schemeClr val="tx1"/>
+                </a:solidFill>
+                <a:latin typeface="+mn-lt"/>
+                <a:ea typeface="+mn-ea"/>
+                <a:cs typeface="+mn-cs"/>
+              </a:defRPr>
+            </a:lvl1pPr>
+            <a:lvl2pPr marL="742950" indent="-285750" algn="l" defTabSz="914400" rtl="0" eaLnBrk="1" latinLnBrk="0" hangingPunct="1">
+              <a:spcBef>
+                <a:spcPct val="20000"/>
+              </a:spcBef>
+              <a:buFont typeface="Arial" pitchFamily="34" charset="0"/>
+              <a:buChar char="–"/>
+              <a:defRPr sz="1800" i="1" kern="1200">
+                <a:solidFill>
+                  <a:schemeClr val="tx1"/>
+                </a:solidFill>
+                <a:latin typeface="+mn-lt"/>
+                <a:ea typeface="+mn-ea"/>
+                <a:cs typeface="+mn-cs"/>
+              </a:defRPr>
+            </a:lvl2pPr>
+            <a:lvl3pPr marL="1143000" indent="-228600" algn="l" defTabSz="914400" rtl="0" eaLnBrk="1" latinLnBrk="0" hangingPunct="1">
+              <a:spcBef>
+                <a:spcPct val="20000"/>
+              </a:spcBef>
+              <a:buFont typeface="Arial" pitchFamily="34" charset="0"/>
+              <a:buChar char="•"/>
+              <a:defRPr sz="1800" i="1" kern="1200">
+                <a:solidFill>
+                  <a:schemeClr val="tx1"/>
+                </a:solidFill>
+                <a:latin typeface="+mn-lt"/>
+                <a:ea typeface="+mn-ea"/>
+                <a:cs typeface="+mn-cs"/>
+              </a:defRPr>
+            </a:lvl3pPr>
+            <a:lvl4pPr marL="1600200" indent="-228600" algn="l" defTabSz="914400" rtl="0" eaLnBrk="1" latinLnBrk="0" hangingPunct="1">
+              <a:spcBef>
+                <a:spcPct val="20000"/>
+              </a:spcBef>
+              <a:buFont typeface="Arial" pitchFamily="34" charset="0"/>
+              <a:buChar char="–"/>
+              <a:defRPr sz="1800" i="1" kern="1200">
+                <a:solidFill>
+                  <a:schemeClr val="tx1"/>
+                </a:solidFill>
+                <a:latin typeface="+mn-lt"/>
+                <a:ea typeface="+mn-ea"/>
+                <a:cs typeface="+mn-cs"/>
+              </a:defRPr>
+            </a:lvl4pPr>
+            <a:lvl5pPr marL="2057400" indent="-228600" algn="l" defTabSz="914400" rtl="0" eaLnBrk="1" latinLnBrk="0" hangingPunct="1">
+              <a:spcBef>
+                <a:spcPct val="20000"/>
+              </a:spcBef>
+              <a:buFont typeface="Arial" pitchFamily="34" charset="0"/>
+              <a:buChar char="»"/>
+              <a:defRPr sz="1800" i="1" kern="1200">
+                <a:solidFill>
+                  <a:schemeClr val="tx1"/>
+                </a:solidFill>
+                <a:latin typeface="+mn-lt"/>
+                <a:ea typeface="+mn-ea"/>
+                <a:cs typeface="+mn-cs"/>
+              </a:defRPr>
+            </a:lvl5pPr>
+            <a:lvl6pPr marL="2514600" indent="-228600" algn="l" defTabSz="914400" rtl="0" eaLnBrk="1" latinLnBrk="0" hangingPunct="1">
+              <a:spcBef>
+                <a:spcPct val="20000"/>
+              </a:spcBef>
+              <a:buFont typeface="Arial" pitchFamily="34" charset="0"/>
+              <a:buChar char="•"/>
+              <a:defRPr sz="1800" i="1" kern="1200">
+                <a:solidFill>
+                  <a:schemeClr val="tx1"/>
+                </a:solidFill>
+                <a:latin typeface="+mn-lt"/>
+                <a:ea typeface="+mn-ea"/>
+                <a:cs typeface="+mn-cs"/>
+              </a:defRPr>
+            </a:lvl6pPr>
+            <a:lvl7pPr marL="2971800" indent="-228600" algn="l" defTabSz="914400" rtl="0" eaLnBrk="1" latinLnBrk="0" hangingPunct="1">
+              <a:spcBef>
+                <a:spcPct val="20000"/>
+              </a:spcBef>
+              <a:buFont typeface="Arial" pitchFamily="34" charset="0"/>
+              <a:buChar char="•"/>
+              <a:defRPr sz="1800" i="1" kern="1200">
+                <a:solidFill>
+                  <a:schemeClr val="tx1"/>
+                </a:solidFill>
+                <a:latin typeface="+mn-lt"/>
+                <a:ea typeface="+mn-ea"/>
+                <a:cs typeface="+mn-cs"/>
+              </a:defRPr>
+            </a:lvl7pPr>
+            <a:lvl8pPr marL="3429000" indent="-228600" algn="l" defTabSz="914400" rtl="0" eaLnBrk="1" latinLnBrk="0" hangingPunct="1">
+              <a:spcBef>
+                <a:spcPct val="20000"/>
+              </a:spcBef>
+              <a:buFont typeface="Arial" pitchFamily="34" charset="0"/>
+              <a:buChar char="•"/>
+              <a:defRPr sz="1800" i="1" kern="1200">
+                <a:solidFill>
+                  <a:schemeClr val="tx1"/>
+                </a:solidFill>
+                <a:latin typeface="+mn-lt"/>
+                <a:ea typeface="+mn-ea"/>
+                <a:cs typeface="+mn-cs"/>
+              </a:defRPr>
+            </a:lvl8pPr>
+            <a:lvl9pPr marL="3886200" indent="-228600" algn="l" defTabSz="914400" rtl="0" eaLnBrk="1" latinLnBrk="0" hangingPunct="1">
+              <a:spcBef>
+                <a:spcPct val="20000"/>
+              </a:spcBef>
+              <a:buFont typeface="Arial" pitchFamily="34" charset="0"/>
+              <a:buChar char="•"/>
+              <a:defRPr sz="1800" kern="1200">
+                <a:solidFill>
+                  <a:schemeClr val="tx1"/>
+                </a:solidFill>
+                <a:latin typeface="+mn-lt"/>
+                <a:ea typeface="+mn-ea"/>
+                <a:cs typeface="+mn-cs"/>
+              </a:defRPr>
+            </a:lvl9pPr>
+          </a:lstStyle>
+          <a:p>
+            <a:pPr marL="0" indent="0">
+              <a:buFont typeface="Arial" pitchFamily="34" charset="0"/>
+              <a:buNone/>
+            </a:pPr>
+            <a:r>
+              <a:rPr lang="en-US" sz="8000" i="0" dirty="0" smtClean="0">
+                <a:latin typeface="BreakersSlab-Bold" pitchFamily="50" charset="0"/>
+                <a:cs typeface="BreakersSlab-Bold" pitchFamily="50" charset="0"/>
+              </a:rPr>
+              <a:t>TENS UNIT</a:t>
+            </a:r>
           </a:p>
         </p:txBody>
       </p:sp>
@@ -4685,6 +5701,14 @@
   <p:clrMapOvr>
     <a:masterClrMapping/>
   </p:clrMapOvr>
+  <mc:AlternateContent xmlns:mc="http://schemas.openxmlformats.org/markup-compatibility/2006">
+    <mc:Choice xmlns:p14="http://schemas.microsoft.com/office/powerpoint/2010/main" Requires="p14">
+      <p:transition spd="slow" p14:dur="2000"/>
+    </mc:Choice>
+    <mc:Fallback>
+      <p:transition spd="slow"/>
+    </mc:Fallback>
+  </mc:AlternateContent>
   <p:timing>
     <p:tnLst>
       <p:par>
